--- a/수업자료/7. flex_grid.pptx
+++ b/수업자료/7. flex_grid.pptx
@@ -655,7 +655,7 @@
           <a:p>
             <a:fld id="{1D8BD707-D9CF-40AE-B4C6-C98DA3205C09}" type="datetimeFigureOut">
               <a:rPr lang="en-US"/>
-              <a:t>3/5/2023</a:t>
+              <a:t>4/22/2024</a:t>
             </a:fld>
             <a:endParaRPr lang="en-US"/>
           </a:p>
@@ -830,7 +830,7 @@
           <a:p>
             <a:fld id="{1D8BD707-D9CF-40AE-B4C6-C98DA3205C09}" type="datetimeFigureOut">
               <a:rPr lang="en-US"/>
-              <a:t>3/5/2023</a:t>
+              <a:t>4/22/2024</a:t>
             </a:fld>
             <a:endParaRPr lang="en-US"/>
           </a:p>
@@ -1044,7 +1044,7 @@
           <a:p>
             <a:fld id="{1D8BD707-D9CF-40AE-B4C6-C98DA3205C09}" type="datetimeFigureOut">
               <a:rPr lang="en-US"/>
-              <a:t>3/5/2023</a:t>
+              <a:t>4/22/2024</a:t>
             </a:fld>
             <a:endParaRPr lang="en-US"/>
           </a:p>
@@ -1192,7 +1192,7 @@
           <a:p>
             <a:fld id="{1D8BD707-D9CF-40AE-B4C6-C98DA3205C09}" type="datetimeFigureOut">
               <a:rPr lang="en-US"/>
-              <a:t>3/5/2023</a:t>
+              <a:t>4/22/2024</a:t>
             </a:fld>
             <a:endParaRPr lang="en-US"/>
           </a:p>
@@ -1665,7 +1665,7 @@
           <a:p>
             <a:fld id="{1D8BD707-D9CF-40AE-B4C6-C98DA3205C09}" type="datetimeFigureOut">
               <a:rPr lang="en-US"/>
-              <a:t>3/5/2023</a:t>
+              <a:t>4/22/2024</a:t>
             </a:fld>
             <a:endParaRPr lang="en-US"/>
           </a:p>
@@ -1891,7 +1891,7 @@
             <a:fld id="{1D8BD707-D9CF-40AE-B4C6-C98DA3205C09}" type="datetimeFigureOut">
               <a:rPr lang="en-US" smtClean="0"/>
               <a:pPr/>
-              <a:t>3/5/2023</a:t>
+              <a:t>4/22/2024</a:t>
             </a:fld>
             <a:endParaRPr lang="en-US" dirty="0"/>
           </a:p>
@@ -2296,7 +2296,7 @@
         </p:nvSpPr>
         <p:spPr>
           <a:xfrm>
-            <a:off x="1627868" y="3193880"/>
+            <a:off x="1627868" y="3271097"/>
             <a:ext cx="16727805" cy="1617345"/>
           </a:xfrm>
           <a:prstGeom prst="rect">
@@ -3251,14 +3251,35 @@
               <a:t>것인지를  </a:t>
             </a:r>
             <a:r>
-              <a:rPr sz="4950" spc="-815" dirty="0">
+              <a:rPr sz="4950" spc="-815" dirty="0" smtClean="0">
                 <a:latin typeface="Arial" panose="020B0604020202020204" pitchFamily="34" charset="0"/>
                 <a:cs typeface="Arial" panose="020B0604020202020204" pitchFamily="34" charset="0"/>
               </a:rPr>
               <a:t>스스로</a:t>
             </a:r>
             <a:r>
-              <a:rPr sz="4950" spc="-665" dirty="0">
+              <a:rPr lang="en-US" sz="4950" spc="-815" dirty="0" smtClean="0">
+                <a:latin typeface="Arial" panose="020B0604020202020204" pitchFamily="34" charset="0"/>
+                <a:cs typeface="Arial" panose="020B0604020202020204" pitchFamily="34" charset="0"/>
+              </a:rPr>
+              <a:t>(</a:t>
+            </a:r>
+            <a:r>
+              <a:rPr lang="ko-KR" altLang="en-US" sz="4950" spc="-815" dirty="0" smtClean="0">
+                <a:latin typeface="Arial" panose="020B0604020202020204" pitchFamily="34" charset="0"/>
+                <a:cs typeface="Arial" panose="020B0604020202020204" pitchFamily="34" charset="0"/>
+              </a:rPr>
+              <a:t>중요</a:t>
+            </a:r>
+            <a:r>
+              <a:rPr lang="en-US" altLang="ko-KR" sz="4950" spc="-815" dirty="0" smtClean="0">
+                <a:latin typeface="Arial" panose="020B0604020202020204" pitchFamily="34" charset="0"/>
+                <a:cs typeface="Arial" panose="020B0604020202020204" pitchFamily="34" charset="0"/>
+              </a:rPr>
+              <a:t>!)</a:t>
+            </a:r>
+            <a:r>
+              <a:rPr sz="4950" spc="-665" dirty="0" smtClean="0">
                 <a:latin typeface="Arial" panose="020B0604020202020204" pitchFamily="34" charset="0"/>
                 <a:cs typeface="Arial" panose="020B0604020202020204" pitchFamily="34" charset="0"/>
               </a:rPr>
@@ -4342,7 +4363,56 @@
                 <a:latin typeface="Arial" panose="020B0604020202020204" pitchFamily="34" charset="0"/>
                 <a:cs typeface="Arial" panose="020B0604020202020204" pitchFamily="34" charset="0"/>
               </a:rPr>
-              <a:t>아이템을 배치하기 위해 필요한 공간보다 플렉스 컨테이너가 더 클 때</a:t>
+              <a:t>아이템을 배치하기 위해 필요한 공간보다 플렉스 컨테이너가 더 클 </a:t>
+            </a:r>
+            <a:r>
+              <a:rPr sz="4950" b="1" dirty="0" smtClean="0">
+                <a:latin typeface="Arial" panose="020B0604020202020204" pitchFamily="34" charset="0"/>
+                <a:cs typeface="Arial" panose="020B0604020202020204" pitchFamily="34" charset="0"/>
+              </a:rPr>
+              <a:t>때</a:t>
+            </a:r>
+            <a:r>
+              <a:rPr lang="en-US" altLang="ko-KR" sz="4950" b="1" dirty="0" smtClean="0">
+                <a:latin typeface="Arial" panose="020B0604020202020204" pitchFamily="34" charset="0"/>
+                <a:cs typeface="Arial" panose="020B0604020202020204" pitchFamily="34" charset="0"/>
+              </a:rPr>
+              <a:t>(</a:t>
+            </a:r>
+            <a:r>
+              <a:rPr lang="ko-KR" altLang="en-US" sz="4950" b="1" dirty="0" smtClean="0">
+                <a:latin typeface="Arial" panose="020B0604020202020204" pitchFamily="34" charset="0"/>
+                <a:cs typeface="Arial" panose="020B0604020202020204" pitchFamily="34" charset="0"/>
+              </a:rPr>
+              <a:t>아이템이 </a:t>
+            </a:r>
+            <a:r>
+              <a:rPr lang="en-US" altLang="ko-KR" sz="4950" b="1" dirty="0" smtClean="0">
+                <a:latin typeface="Arial" panose="020B0604020202020204" pitchFamily="34" charset="0"/>
+                <a:cs typeface="Arial" panose="020B0604020202020204" pitchFamily="34" charset="0"/>
+              </a:rPr>
+              <a:t>2</a:t>
+            </a:r>
+            <a:r>
+              <a:rPr lang="ko-KR" altLang="en-US" sz="4950" b="1" dirty="0" smtClean="0">
+                <a:latin typeface="Arial" panose="020B0604020202020204" pitchFamily="34" charset="0"/>
+                <a:cs typeface="Arial" panose="020B0604020202020204" pitchFamily="34" charset="0"/>
+              </a:rPr>
+              <a:t>줄 </a:t>
+            </a:r>
+            <a:r>
+              <a:rPr lang="ko-KR" altLang="en-US" sz="4950" b="1" dirty="0" err="1" smtClean="0">
+                <a:latin typeface="Arial" panose="020B0604020202020204" pitchFamily="34" charset="0"/>
+                <a:cs typeface="Arial" panose="020B0604020202020204" pitchFamily="34" charset="0"/>
+              </a:rPr>
+              <a:t>이상일때</a:t>
+            </a:r>
+            <a:r>
+              <a:rPr lang="en-US" altLang="ko-KR" sz="4950" b="1" dirty="0" smtClean="0">
+                <a:latin typeface="Arial" panose="020B0604020202020204" pitchFamily="34" charset="0"/>
+                <a:cs typeface="Arial" panose="020B0604020202020204" pitchFamily="34" charset="0"/>
+              </a:rPr>
+              <a:t>)</a:t>
             </a:r>
             <a:endParaRPr sz="4950" dirty="0">
               <a:latin typeface="Arial" panose="020B0604020202020204" pitchFamily="34" charset="0"/>
@@ -4475,7 +4545,7 @@
         <p:spPr>
           <a:xfrm>
             <a:off x="1627868" y="3193880"/>
-            <a:ext cx="16575405" cy="2376741"/>
+            <a:ext cx="16575405" cy="2435218"/>
           </a:xfrm>
           <a:prstGeom prst="rect">
             <a:avLst/>
@@ -4500,8 +4570,40 @@
                 <a:latin typeface="Arial" panose="020B0604020202020204" pitchFamily="34" charset="0"/>
                 <a:cs typeface="Arial" panose="020B0604020202020204" pitchFamily="34" charset="0"/>
               </a:rPr>
-              <a:t>플렉스아이템이 기본 크기보다 더 커질 수 있는지를 결정하고, 플렉스 컨테이너  내부에서 할당받을 수 있는 공간을 상대적으로 정의할 수  있는 속성입니다.</a:t>
-            </a:r>
+              <a:t>플렉스아이템이 기본 크기보다 더 커질 수 있는지를 결정하고, 플렉스 컨테이너  내부에서 할당받을 수 있는 공간을 상대적으로 정의할 수  있는 속성입니다</a:t>
+            </a:r>
+            <a:r>
+              <a:rPr sz="4950" dirty="0" smtClean="0">
+                <a:latin typeface="Arial" panose="020B0604020202020204" pitchFamily="34" charset="0"/>
+                <a:cs typeface="Arial" panose="020B0604020202020204" pitchFamily="34" charset="0"/>
+              </a:rPr>
+              <a:t>.</a:t>
+            </a:r>
+            <a:r>
+              <a:rPr lang="en-US" sz="4950" dirty="0" smtClean="0">
+                <a:latin typeface="Arial" panose="020B0604020202020204" pitchFamily="34" charset="0"/>
+                <a:cs typeface="Arial" panose="020B0604020202020204" pitchFamily="34" charset="0"/>
+              </a:rPr>
+              <a:t> </a:t>
+            </a:r>
+            <a:r>
+              <a:rPr lang="ko-KR" altLang="en-US" sz="4950" smtClean="0">
+                <a:latin typeface="Arial" panose="020B0604020202020204" pitchFamily="34" charset="0"/>
+                <a:cs typeface="Arial" panose="020B0604020202020204" pitchFamily="34" charset="0"/>
+              </a:rPr>
+              <a:t>기본값 </a:t>
+            </a:r>
+            <a:r>
+              <a:rPr lang="en-US" altLang="ko-KR" sz="4950" smtClean="0">
+                <a:latin typeface="Arial" panose="020B0604020202020204" pitchFamily="34" charset="0"/>
+                <a:cs typeface="Arial" panose="020B0604020202020204" pitchFamily="34" charset="0"/>
+              </a:rPr>
+              <a:t>0</a:t>
+            </a:r>
+            <a:endParaRPr sz="4950" dirty="0">
+              <a:latin typeface="Arial" panose="020B0604020202020204" pitchFamily="34" charset="0"/>
+              <a:cs typeface="Arial" panose="020B0604020202020204" pitchFamily="34" charset="0"/>
+            </a:endParaRPr>
           </a:p>
         </p:txBody>
       </p:sp>
@@ -4964,7 +5066,7 @@
         <p:spPr>
           <a:xfrm>
             <a:off x="1627868" y="3193880"/>
-            <a:ext cx="16638269" cy="2376676"/>
+            <a:ext cx="16638269" cy="3242683"/>
           </a:xfrm>
           <a:prstGeom prst="rect">
             <a:avLst/>
@@ -4989,8 +5091,61 @@
                 <a:latin typeface="Arial" panose="020B0604020202020204" pitchFamily="34" charset="0"/>
                 <a:cs typeface="Arial" panose="020B0604020202020204" pitchFamily="34" charset="0"/>
               </a:rPr>
-              <a:t>플렉스아이템이 기본 크기보다 더 작아질 수 있는지를 결정하고, 플렉스 컨테이  너 내부에서 할당받을 수 있는 공간을 상대적으로 정의할 수  있는 속성입니다.</a:t>
-            </a:r>
+              <a:t>플렉스아이템이 기본 크기보다 더 작아질 수 있는지를 결정하고, 플렉스 컨테이  너 내부에서 할당받을 수 있는 공간을 상대적으로 정의할 수  있는 속성입니다</a:t>
+            </a:r>
+            <a:r>
+              <a:rPr sz="4950" dirty="0" smtClean="0">
+                <a:latin typeface="Arial" panose="020B0604020202020204" pitchFamily="34" charset="0"/>
+                <a:cs typeface="Arial" panose="020B0604020202020204" pitchFamily="34" charset="0"/>
+              </a:rPr>
+              <a:t>.</a:t>
+            </a:r>
+            <a:r>
+              <a:rPr lang="en-US" sz="4950" dirty="0" smtClean="0">
+                <a:latin typeface="Arial" panose="020B0604020202020204" pitchFamily="34" charset="0"/>
+                <a:cs typeface="Arial" panose="020B0604020202020204" pitchFamily="34" charset="0"/>
+              </a:rPr>
+              <a:t> </a:t>
+            </a:r>
+            <a:r>
+              <a:rPr lang="en-US" altLang="ko-KR" sz="4950" dirty="0" smtClean="0">
+                <a:latin typeface="Arial" panose="020B0604020202020204" pitchFamily="34" charset="0"/>
+                <a:cs typeface="Arial" panose="020B0604020202020204" pitchFamily="34" charset="0"/>
+              </a:rPr>
+              <a:t>(</a:t>
+            </a:r>
+            <a:r>
+              <a:rPr lang="ko-KR" altLang="en-US" sz="4950" dirty="0" smtClean="0">
+                <a:latin typeface="Arial" panose="020B0604020202020204" pitchFamily="34" charset="0"/>
+                <a:cs typeface="Arial" panose="020B0604020202020204" pitchFamily="34" charset="0"/>
+              </a:rPr>
+              <a:t>기본값 </a:t>
+            </a:r>
+            <a:r>
+              <a:rPr lang="en-US" altLang="ko-KR" sz="4950" dirty="0" smtClean="0">
+                <a:latin typeface="Arial" panose="020B0604020202020204" pitchFamily="34" charset="0"/>
+                <a:cs typeface="Arial" panose="020B0604020202020204" pitchFamily="34" charset="0"/>
+              </a:rPr>
+              <a:t>1, grow</a:t>
+            </a:r>
+            <a:r>
+              <a:rPr lang="ko-KR" altLang="en-US" sz="4950" dirty="0" smtClean="0">
+                <a:latin typeface="Arial" panose="020B0604020202020204" pitchFamily="34" charset="0"/>
+                <a:cs typeface="Arial" panose="020B0604020202020204" pitchFamily="34" charset="0"/>
+              </a:rPr>
+              <a:t>는 기본값 </a:t>
+            </a:r>
+            <a:r>
+              <a:rPr lang="en-US" altLang="ko-KR" sz="4950" dirty="0" smtClean="0">
+                <a:latin typeface="Arial" panose="020B0604020202020204" pitchFamily="34" charset="0"/>
+                <a:cs typeface="Arial" panose="020B0604020202020204" pitchFamily="34" charset="0"/>
+              </a:rPr>
+              <a:t>0)</a:t>
+            </a:r>
+            <a:endParaRPr sz="4950" dirty="0">
+              <a:latin typeface="Arial" panose="020B0604020202020204" pitchFamily="34" charset="0"/>
+              <a:cs typeface="Arial" panose="020B0604020202020204" pitchFamily="34" charset="0"/>
+            </a:endParaRPr>
           </a:p>
         </p:txBody>
       </p:sp>
@@ -13821,9 +13976,6 @@
               </a:rPr>
               <a:t>.</a:t>
             </a:r>
-            <a:endParaRPr lang="en-US" altLang="ko-KR" sz="4950" dirty="0">
-              <a:cs typeface="Arial" panose="020B0604020202020204" pitchFamily="34" charset="0"/>
-            </a:endParaRPr>
           </a:p>
         </p:txBody>
       </p:sp>
